--- a/Group Presentation.pptx
+++ b/Group Presentation.pptx
@@ -6,11 +6,12 @@
   </p:sldMasterIdLst>
   <p:sldIdLst>
     <p:sldId id="257" r:id="rId2"/>
-    <p:sldId id="258" r:id="rId3"/>
-    <p:sldId id="260" r:id="rId4"/>
-    <p:sldId id="262" r:id="rId5"/>
-    <p:sldId id="264" r:id="rId6"/>
-    <p:sldId id="266" r:id="rId7"/>
+    <p:sldId id="267" r:id="rId3"/>
+    <p:sldId id="258" r:id="rId4"/>
+    <p:sldId id="260" r:id="rId5"/>
+    <p:sldId id="262" r:id="rId6"/>
+    <p:sldId id="264" r:id="rId7"/>
+    <p:sldId id="266" r:id="rId8"/>
   </p:sldIdLst>
   <p:sldSz cx="12192000" cy="6858000"/>
   <p:notesSz cx="6858000" cy="9144000"/>
@@ -248,7 +249,7 @@
           <a:p>
             <a:fld id="{14DFD3B6-E15A-4745-9CBD-1BBA8C8938B2}" type="datetimeFigureOut">
               <a:rPr lang="en-GB" smtClean="0"/>
-              <a:t>18/10/2016</a:t>
+              <a:t>19/10/2016</a:t>
             </a:fld>
             <a:endParaRPr lang="en-GB"/>
           </a:p>
@@ -418,7 +419,7 @@
           <a:p>
             <a:fld id="{14DFD3B6-E15A-4745-9CBD-1BBA8C8938B2}" type="datetimeFigureOut">
               <a:rPr lang="en-GB" smtClean="0"/>
-              <a:t>18/10/2016</a:t>
+              <a:t>19/10/2016</a:t>
             </a:fld>
             <a:endParaRPr lang="en-GB"/>
           </a:p>
@@ -598,7 +599,7 @@
           <a:p>
             <a:fld id="{14DFD3B6-E15A-4745-9CBD-1BBA8C8938B2}" type="datetimeFigureOut">
               <a:rPr lang="en-GB" smtClean="0"/>
-              <a:t>18/10/2016</a:t>
+              <a:t>19/10/2016</a:t>
             </a:fld>
             <a:endParaRPr lang="en-GB"/>
           </a:p>
@@ -768,7 +769,7 @@
           <a:p>
             <a:fld id="{14DFD3B6-E15A-4745-9CBD-1BBA8C8938B2}" type="datetimeFigureOut">
               <a:rPr lang="en-GB" smtClean="0"/>
-              <a:t>18/10/2016</a:t>
+              <a:t>19/10/2016</a:t>
             </a:fld>
             <a:endParaRPr lang="en-GB"/>
           </a:p>
@@ -1014,7 +1015,7 @@
           <a:p>
             <a:fld id="{14DFD3B6-E15A-4745-9CBD-1BBA8C8938B2}" type="datetimeFigureOut">
               <a:rPr lang="en-GB" smtClean="0"/>
-              <a:t>18/10/2016</a:t>
+              <a:t>19/10/2016</a:t>
             </a:fld>
             <a:endParaRPr lang="en-GB"/>
           </a:p>
@@ -1246,7 +1247,7 @@
           <a:p>
             <a:fld id="{14DFD3B6-E15A-4745-9CBD-1BBA8C8938B2}" type="datetimeFigureOut">
               <a:rPr lang="en-GB" smtClean="0"/>
-              <a:t>18/10/2016</a:t>
+              <a:t>19/10/2016</a:t>
             </a:fld>
             <a:endParaRPr lang="en-GB"/>
           </a:p>
@@ -1613,7 +1614,7 @@
           <a:p>
             <a:fld id="{14DFD3B6-E15A-4745-9CBD-1BBA8C8938B2}" type="datetimeFigureOut">
               <a:rPr lang="en-GB" smtClean="0"/>
-              <a:t>18/10/2016</a:t>
+              <a:t>19/10/2016</a:t>
             </a:fld>
             <a:endParaRPr lang="en-GB"/>
           </a:p>
@@ -1731,7 +1732,7 @@
           <a:p>
             <a:fld id="{14DFD3B6-E15A-4745-9CBD-1BBA8C8938B2}" type="datetimeFigureOut">
               <a:rPr lang="en-GB" smtClean="0"/>
-              <a:t>18/10/2016</a:t>
+              <a:t>19/10/2016</a:t>
             </a:fld>
             <a:endParaRPr lang="en-GB"/>
           </a:p>
@@ -1826,7 +1827,7 @@
           <a:p>
             <a:fld id="{14DFD3B6-E15A-4745-9CBD-1BBA8C8938B2}" type="datetimeFigureOut">
               <a:rPr lang="en-GB" smtClean="0"/>
-              <a:t>18/10/2016</a:t>
+              <a:t>19/10/2016</a:t>
             </a:fld>
             <a:endParaRPr lang="en-GB"/>
           </a:p>
@@ -2103,7 +2104,7 @@
           <a:p>
             <a:fld id="{14DFD3B6-E15A-4745-9CBD-1BBA8C8938B2}" type="datetimeFigureOut">
               <a:rPr lang="en-GB" smtClean="0"/>
-              <a:t>18/10/2016</a:t>
+              <a:t>19/10/2016</a:t>
             </a:fld>
             <a:endParaRPr lang="en-GB"/>
           </a:p>
@@ -2356,7 +2357,7 @@
           <a:p>
             <a:fld id="{14DFD3B6-E15A-4745-9CBD-1BBA8C8938B2}" type="datetimeFigureOut">
               <a:rPr lang="en-GB" smtClean="0"/>
-              <a:t>18/10/2016</a:t>
+              <a:t>19/10/2016</a:t>
             </a:fld>
             <a:endParaRPr lang="en-GB"/>
           </a:p>
@@ -2569,7 +2570,7 @@
           <a:p>
             <a:fld id="{14DFD3B6-E15A-4745-9CBD-1BBA8C8938B2}" type="datetimeFigureOut">
               <a:rPr lang="en-GB" smtClean="0"/>
-              <a:t>18/10/2016</a:t>
+              <a:t>19/10/2016</a:t>
             </a:fld>
             <a:endParaRPr lang="en-GB"/>
           </a:p>
@@ -2989,7 +2990,7 @@
         </p:blipFill>
         <p:spPr>
           <a:xfrm>
-            <a:off x="0" y="10"/>
+            <a:off x="0" y="0"/>
             <a:ext cx="12192000" cy="6857990"/>
           </a:xfrm>
           <a:prstGeom prst="rect">
@@ -3098,8 +3099,8 @@
         </p:nvSpPr>
         <p:spPr>
           <a:xfrm>
-            <a:off x="5613230" y="1813578"/>
-            <a:ext cx="5605272" cy="1785104"/>
+            <a:off x="5613230" y="2382554"/>
+            <a:ext cx="5605272" cy="2092881"/>
           </a:xfrm>
           <a:prstGeom prst="rect">
             <a:avLst/>
@@ -3114,9 +3115,9 @@
           <a:p>
             <a:pPr algn="ctr"/>
             <a:r>
-              <a:rPr lang="en-GB" sz="4000" dirty="0">
+              <a:rPr lang="en-GB" sz="6000" dirty="0">
                 <a:solidFill>
-                  <a:schemeClr val="bg1"/>
+                  <a:srgbClr val="FF0000"/>
                 </a:solidFill>
               </a:rPr>
               <a:t>THE WARD</a:t>
@@ -3137,7 +3138,7 @@
                   <a:schemeClr val="bg1"/>
                 </a:solidFill>
               </a:rPr>
-              <a:t>Developed by Team 12</a:t>
+              <a:t>Created by Team 12</a:t>
             </a:r>
           </a:p>
         </p:txBody>
@@ -3187,12 +3188,20 @@
         </p:blipFill>
         <p:spPr>
           <a:xfrm>
-            <a:off x="20" y="0"/>
-            <a:ext cx="12191980" cy="6857990"/>
+            <a:off x="0" y="10"/>
+            <a:ext cx="12192000" cy="6857990"/>
           </a:xfrm>
           <a:prstGeom prst="rect">
             <a:avLst/>
           </a:prstGeom>
+          <a:ln>
+            <a:noFill/>
+          </a:ln>
+          <a:effectLst>
+            <a:outerShdw blurRad="50800" dist="50800" dir="5400000" algn="ctr" rotWithShape="0">
+              <a:srgbClr val="000000"/>
+            </a:outerShdw>
+          </a:effectLst>
         </p:spPr>
       </p:pic>
       <p:sp>
@@ -3282,14 +3291,14 @@
       </p:sp>
       <p:sp>
         <p:nvSpPr>
-          <p:cNvPr id="12" name="TextBox 11"/>
+          <p:cNvPr id="9" name="TextBox 8"/>
           <p:cNvSpPr txBox="1"/>
           <p:nvPr/>
         </p:nvSpPr>
         <p:spPr>
           <a:xfrm>
-            <a:off x="4639733" y="0"/>
-            <a:ext cx="5934456" cy="1477328"/>
+            <a:off x="5613230" y="920621"/>
+            <a:ext cx="5605272" cy="5016758"/>
           </a:xfrm>
           <a:prstGeom prst="rect">
             <a:avLst/>
@@ -3302,39 +3311,70 @@
           </a:bodyPr>
           <a:lstStyle/>
           <a:p>
+            <a:pPr algn="ctr"/>
             <a:r>
               <a:rPr lang="en-GB" sz="4000" dirty="0">
                 <a:solidFill>
                   <a:schemeClr val="bg1"/>
                 </a:solidFill>
               </a:rPr>
-              <a:t>Game Overview</a:t>
-            </a:r>
-          </a:p>
-          <a:p>
-            <a:endParaRPr lang="en-GB" sz="2000" dirty="0">
+              <a:t>Trailer</a:t>
+            </a:r>
+          </a:p>
+          <a:p>
+            <a:pPr algn="ctr"/>
+            <a:endParaRPr lang="en-GB" sz="4000" dirty="0">
               <a:solidFill>
                 <a:schemeClr val="bg1"/>
               </a:solidFill>
             </a:endParaRPr>
           </a:p>
           <a:p>
-            <a:r>
-              <a:rPr lang="en-GB" sz="3000" dirty="0">
+            <a:endParaRPr lang="en-GB" sz="3000" dirty="0">
+              <a:solidFill>
+                <a:schemeClr val="bg1"/>
+              </a:solidFill>
+            </a:endParaRPr>
+          </a:p>
+          <a:p>
+            <a:pPr algn="ctr"/>
+            <a:endParaRPr lang="en-GB" sz="4000" dirty="0">
+              <a:solidFill>
+                <a:schemeClr val="bg1"/>
+              </a:solidFill>
+            </a:endParaRPr>
+          </a:p>
+          <a:p>
+            <a:pPr algn="ctr"/>
+            <a:r>
+              <a:rPr lang="en-GB" sz="4000" dirty="0">
                 <a:solidFill>
                   <a:schemeClr val="bg1"/>
                 </a:solidFill>
+                <a:hlinkClick r:id="rId3"/>
               </a:rPr>
-              <a:t># TEXT HERE</a:t>
-            </a:r>
-            <a:endParaRPr lang="en-GB" sz="3000" dirty="0"/>
+              <a:t>https://drive.google.com/file/d/0BzR41_vwJP3PNWExNldSRGlvQ1U/view</a:t>
+            </a:r>
+            <a:endParaRPr lang="en-GB" sz="4000" dirty="0">
+              <a:solidFill>
+                <a:schemeClr val="bg1"/>
+              </a:solidFill>
+            </a:endParaRPr>
+          </a:p>
+          <a:p>
+            <a:pPr algn="ctr"/>
+            <a:endParaRPr lang="en-GB" sz="4000" dirty="0">
+              <a:solidFill>
+                <a:schemeClr val="bg1"/>
+              </a:solidFill>
+            </a:endParaRPr>
           </a:p>
         </p:txBody>
       </p:sp>
     </p:spTree>
     <p:extLst>
       <p:ext uri="{BB962C8B-B14F-4D97-AF65-F5344CB8AC3E}">
-        <p14:creationId xmlns:p14="http://schemas.microsoft.com/office/powerpoint/2010/main" val="1081420756"/>
+        <p14:creationId xmlns:p14="http://schemas.microsoft.com/office/powerpoint/2010/main" val="3056383418"/>
       </p:ext>
     </p:extLst>
   </p:cSld>
@@ -3471,14 +3511,14 @@
       </p:sp>
       <p:sp>
         <p:nvSpPr>
-          <p:cNvPr id="5" name="TextBox 4"/>
+          <p:cNvPr id="12" name="TextBox 11"/>
           <p:cNvSpPr txBox="1"/>
           <p:nvPr/>
         </p:nvSpPr>
         <p:spPr>
           <a:xfrm>
-            <a:off x="4639733" y="0"/>
-            <a:ext cx="6364224" cy="5016758"/>
+            <a:off x="5448638" y="655374"/>
+            <a:ext cx="5934456" cy="6555641"/>
           </a:xfrm>
           <a:prstGeom prst="rect">
             <a:avLst/>
@@ -3486,38 +3526,41 @@
           <a:noFill/>
         </p:spPr>
         <p:txBody>
-          <a:bodyPr wrap="square" rtlCol="0">
+          <a:bodyPr wrap="square" rtlCol="0" anchor="t">
             <a:spAutoFit/>
           </a:bodyPr>
           <a:lstStyle/>
           <a:p>
+            <a:pPr algn="ctr"/>
             <a:r>
               <a:rPr lang="en-GB" sz="4000" dirty="0">
                 <a:solidFill>
                   <a:schemeClr val="bg1"/>
                 </a:solidFill>
               </a:rPr>
-              <a:t>Features</a:t>
-            </a:r>
-          </a:p>
-          <a:p>
-            <a:endParaRPr lang="en-GB" sz="4000" dirty="0">
+              <a:t>Game Overview</a:t>
+            </a:r>
+          </a:p>
+          <a:p>
+            <a:endParaRPr lang="en-GB" sz="2000" dirty="0">
               <a:solidFill>
                 <a:schemeClr val="bg1"/>
               </a:solidFill>
             </a:endParaRPr>
           </a:p>
           <a:p>
+            <a:pPr algn="ctr"/>
             <a:r>
               <a:rPr lang="en-GB" sz="3000" dirty="0">
                 <a:solidFill>
                   <a:schemeClr val="bg1"/>
                 </a:solidFill>
               </a:rPr>
-              <a:t>ASCII</a:t>
-            </a:r>
-          </a:p>
-          <a:p>
+              <a:t>“The Ward” is a text based, first person, adventure game. </a:t>
+            </a:r>
+          </a:p>
+          <a:p>
+            <a:pPr algn="ctr"/>
             <a:endParaRPr lang="en-GB" sz="3000" dirty="0">
               <a:solidFill>
                 <a:schemeClr val="bg1"/>
@@ -3525,13 +3568,14 @@
             </a:endParaRPr>
           </a:p>
           <a:p>
+            <a:pPr algn="ctr"/>
             <a:r>
               <a:rPr lang="en-GB" sz="3000" dirty="0">
                 <a:solidFill>
                   <a:schemeClr val="bg1"/>
                 </a:solidFill>
               </a:rPr>
-              <a:t># TEXT HERE</a:t>
+              <a:t>You play as a doctor in a mental asylum. An inmate has managed to escape from his cell. The aim is to escape the mental asylum, kill the cannibal, or call for help. </a:t>
             </a:r>
           </a:p>
           <a:p>
@@ -3549,16 +3593,6 @@
             </a:endParaRPr>
           </a:p>
           <a:p>
-            <a:r>
-              <a:rPr lang="en-GB" sz="3000" dirty="0">
-                <a:solidFill>
-                  <a:schemeClr val="bg1"/>
-                </a:solidFill>
-              </a:rPr>
-              <a:t>Audio</a:t>
-            </a:r>
-          </a:p>
-          <a:p>
             <a:endParaRPr lang="en-GB" sz="3000" dirty="0">
               <a:solidFill>
                 <a:schemeClr val="bg1"/>
@@ -3566,21 +3600,14 @@
             </a:endParaRPr>
           </a:p>
           <a:p>
-            <a:r>
-              <a:rPr lang="en-GB" sz="3000" dirty="0">
-                <a:solidFill>
-                  <a:schemeClr val="bg1"/>
-                </a:solidFill>
-              </a:rPr>
-              <a:t># TEXT HERE</a:t>
-            </a:r>
+            <a:endParaRPr lang="en-GB" sz="3000" dirty="0"/>
           </a:p>
         </p:txBody>
       </p:sp>
     </p:spTree>
     <p:extLst>
       <p:ext uri="{BB962C8B-B14F-4D97-AF65-F5344CB8AC3E}">
-        <p14:creationId xmlns:p14="http://schemas.microsoft.com/office/powerpoint/2010/main" val="1743510821"/>
+        <p14:creationId xmlns:p14="http://schemas.microsoft.com/office/powerpoint/2010/main" val="1081420756"/>
       </p:ext>
     </p:extLst>
   </p:cSld>
@@ -3622,7 +3649,7 @@
         </p:blipFill>
         <p:spPr>
           <a:xfrm>
-            <a:off x="0" y="10"/>
+            <a:off x="20" y="0"/>
             <a:ext cx="12191980" cy="6857990"/>
           </a:xfrm>
           <a:prstGeom prst="rect">
@@ -3717,14 +3744,14 @@
       </p:sp>
       <p:sp>
         <p:nvSpPr>
-          <p:cNvPr id="8" name="TextBox 7"/>
+          <p:cNvPr id="5" name="TextBox 4"/>
           <p:cNvSpPr txBox="1"/>
           <p:nvPr/>
         </p:nvSpPr>
         <p:spPr>
           <a:xfrm>
-            <a:off x="4639733" y="0"/>
-            <a:ext cx="4873752" cy="5170646"/>
+            <a:off x="5233754" y="458951"/>
+            <a:ext cx="6364224" cy="5940088"/>
           </a:xfrm>
           <a:prstGeom prst="rect">
             <a:avLst/>
@@ -3737,13 +3764,14 @@
           </a:bodyPr>
           <a:lstStyle/>
           <a:p>
+            <a:pPr algn="ctr"/>
             <a:r>
               <a:rPr lang="en-GB" sz="4000" dirty="0">
                 <a:solidFill>
                   <a:schemeClr val="bg1"/>
                 </a:solidFill>
               </a:rPr>
-              <a:t>Third Party Libraries</a:t>
+              <a:t>Features</a:t>
             </a:r>
           </a:p>
           <a:p>
@@ -3754,13 +3782,17 @@
             </a:endParaRPr>
           </a:p>
           <a:p>
+            <a:pPr marL="457200" indent="-457200" algn="ctr">
+              <a:buFont typeface="Arial" panose="020B0604020202020204" pitchFamily="34" charset="0"/>
+              <a:buChar char="•"/>
+            </a:pPr>
             <a:r>
               <a:rPr lang="en-GB" sz="3000" dirty="0">
                 <a:solidFill>
                   <a:schemeClr val="bg1"/>
                 </a:solidFill>
               </a:rPr>
-              <a:t>Pillow </a:t>
+              <a:t>Images</a:t>
             </a:r>
           </a:p>
           <a:p>
@@ -3771,26 +3803,18 @@
             </a:endParaRPr>
           </a:p>
           <a:p>
+            <a:pPr marL="457200" indent="-457200" algn="ctr">
+              <a:buFont typeface="Arial" panose="020B0604020202020204" pitchFamily="34" charset="0"/>
+              <a:buChar char="•"/>
+            </a:pPr>
             <a:r>
               <a:rPr lang="en-GB" sz="3000" dirty="0">
                 <a:solidFill>
                   <a:schemeClr val="bg1"/>
                 </a:solidFill>
               </a:rPr>
-              <a:t># TEXT HERE</a:t>
-            </a:r>
-            <a:endParaRPr lang="en-GB" sz="4000" dirty="0">
-              <a:solidFill>
-                <a:schemeClr val="bg1"/>
-              </a:solidFill>
-            </a:endParaRPr>
-          </a:p>
-          <a:p>
-            <a:endParaRPr lang="en-GB" sz="4000" dirty="0">
-              <a:solidFill>
-                <a:schemeClr val="bg1"/>
-              </a:solidFill>
-            </a:endParaRPr>
+              <a:t>Audio</a:t>
+            </a:r>
           </a:p>
           <a:p>
             <a:endParaRPr lang="en-GB" sz="3000" dirty="0">
@@ -3800,13 +3824,17 @@
             </a:endParaRPr>
           </a:p>
           <a:p>
+            <a:pPr marL="457200" indent="-457200" algn="ctr">
+              <a:buFont typeface="Arial" panose="020B0604020202020204" pitchFamily="34" charset="0"/>
+              <a:buChar char="•"/>
+            </a:pPr>
             <a:r>
               <a:rPr lang="en-GB" sz="3000" dirty="0">
                 <a:solidFill>
                   <a:schemeClr val="bg1"/>
                 </a:solidFill>
               </a:rPr>
-              <a:t>Simple Audio</a:t>
+              <a:t>Combat</a:t>
             </a:r>
           </a:p>
           <a:p>
@@ -3817,21 +3845,53 @@
             </a:endParaRPr>
           </a:p>
           <a:p>
+            <a:pPr marL="457200" indent="-457200" algn="ctr">
+              <a:buFont typeface="Arial" panose="020B0604020202020204" pitchFamily="34" charset="0"/>
+              <a:buChar char="•"/>
+            </a:pPr>
             <a:r>
               <a:rPr lang="en-GB" sz="3000" dirty="0">
                 <a:solidFill>
                   <a:schemeClr val="bg1"/>
                 </a:solidFill>
               </a:rPr>
-              <a:t># TEXT HERE</a:t>
-            </a:r>
+              <a:t>Strategy Driven</a:t>
+            </a:r>
+          </a:p>
+          <a:p>
+            <a:endParaRPr lang="en-GB" sz="3000" dirty="0">
+              <a:solidFill>
+                <a:schemeClr val="bg1"/>
+              </a:solidFill>
+            </a:endParaRPr>
+          </a:p>
+          <a:p>
+            <a:pPr marL="457200" indent="-457200" algn="ctr">
+              <a:buFont typeface="Arial" panose="020B0604020202020204" pitchFamily="34" charset="0"/>
+              <a:buChar char="•"/>
+            </a:pPr>
+            <a:r>
+              <a:rPr lang="en-GB" sz="3000" dirty="0">
+                <a:solidFill>
+                  <a:schemeClr val="bg1"/>
+                </a:solidFill>
+              </a:rPr>
+              <a:t>Multiple Endings</a:t>
+            </a:r>
+          </a:p>
+          <a:p>
+            <a:endParaRPr lang="en-GB" sz="3000" dirty="0">
+              <a:solidFill>
+                <a:schemeClr val="bg1"/>
+              </a:solidFill>
+            </a:endParaRPr>
           </a:p>
         </p:txBody>
       </p:sp>
     </p:spTree>
     <p:extLst>
       <p:ext uri="{BB962C8B-B14F-4D97-AF65-F5344CB8AC3E}">
-        <p14:creationId xmlns:p14="http://schemas.microsoft.com/office/powerpoint/2010/main" val="243298760"/>
+        <p14:creationId xmlns:p14="http://schemas.microsoft.com/office/powerpoint/2010/main" val="1743510821"/>
       </p:ext>
     </p:extLst>
   </p:cSld>
@@ -3873,7 +3933,7 @@
         </p:blipFill>
         <p:spPr>
           <a:xfrm>
-            <a:off x="20" y="10"/>
+            <a:off x="0" y="10"/>
             <a:ext cx="12191980" cy="6857990"/>
           </a:xfrm>
           <a:prstGeom prst="rect">
@@ -3968,14 +4028,14 @@
       </p:sp>
       <p:sp>
         <p:nvSpPr>
-          <p:cNvPr id="5" name="TextBox 4"/>
+          <p:cNvPr id="8" name="TextBox 7"/>
           <p:cNvSpPr txBox="1"/>
           <p:nvPr/>
         </p:nvSpPr>
         <p:spPr>
           <a:xfrm>
-            <a:off x="4639733" y="0"/>
-            <a:ext cx="6049926" cy="1785104"/>
+            <a:off x="5978990" y="393405"/>
+            <a:ext cx="4873752" cy="5786199"/>
           </a:xfrm>
           <a:prstGeom prst="rect">
             <a:avLst/>
@@ -3988,34 +4048,99 @@
           </a:bodyPr>
           <a:lstStyle/>
           <a:p>
+            <a:pPr algn="ctr"/>
             <a:r>
               <a:rPr lang="en-GB" sz="4000" dirty="0">
                 <a:solidFill>
                   <a:schemeClr val="bg1"/>
                 </a:solidFill>
               </a:rPr>
-              <a:t>Demonstration</a:t>
-            </a:r>
-          </a:p>
-          <a:p>
-            <a:endParaRPr lang="en-GB" sz="4000" dirty="0">
+              <a:t>Third Party Libraries</a:t>
+            </a:r>
+          </a:p>
+          <a:p>
+            <a:endParaRPr lang="en-GB" sz="3000" dirty="0">
               <a:solidFill>
                 <a:schemeClr val="bg1"/>
               </a:solidFill>
             </a:endParaRPr>
           </a:p>
           <a:p>
+            <a:pPr marL="457200" indent="-457200" algn="ctr">
+              <a:buFont typeface="Arial" panose="020B0604020202020204" pitchFamily="34" charset="0"/>
+              <a:buChar char="•"/>
+            </a:pPr>
             <a:r>
               <a:rPr lang="en-GB" sz="3000" dirty="0">
                 <a:solidFill>
                   <a:schemeClr val="bg1"/>
                 </a:solidFill>
               </a:rPr>
-              <a:t># TEXT HERE</a:t>
-            </a:r>
-            <a:r>
-              <a:rPr lang="en-GB" sz="3000" dirty="0"/>
-              <a:t> </a:t>
+              <a:t>Pillow </a:t>
+            </a:r>
+          </a:p>
+          <a:p>
+            <a:endParaRPr lang="en-GB" sz="3000" dirty="0">
+              <a:solidFill>
+                <a:schemeClr val="bg1"/>
+              </a:solidFill>
+            </a:endParaRPr>
+          </a:p>
+          <a:p>
+            <a:pPr algn="ctr"/>
+            <a:r>
+              <a:rPr lang="en-GB" sz="3000" dirty="0">
+                <a:solidFill>
+                  <a:schemeClr val="bg1"/>
+                </a:solidFill>
+              </a:rPr>
+              <a:t>- Allows image input and control</a:t>
+            </a:r>
+          </a:p>
+          <a:p>
+            <a:endParaRPr lang="en-GB" sz="3000" dirty="0">
+              <a:solidFill>
+                <a:schemeClr val="bg1"/>
+              </a:solidFill>
+            </a:endParaRPr>
+          </a:p>
+          <a:p>
+            <a:endParaRPr lang="en-GB" sz="3000" dirty="0">
+              <a:solidFill>
+                <a:schemeClr val="bg1"/>
+              </a:solidFill>
+            </a:endParaRPr>
+          </a:p>
+          <a:p>
+            <a:pPr marL="457200" indent="-457200" algn="ctr">
+              <a:buFont typeface="Arial" panose="020B0604020202020204" pitchFamily="34" charset="0"/>
+              <a:buChar char="•"/>
+            </a:pPr>
+            <a:r>
+              <a:rPr lang="en-GB" sz="3000" dirty="0">
+                <a:solidFill>
+                  <a:schemeClr val="bg1"/>
+                </a:solidFill>
+              </a:rPr>
+              <a:t>Simple Audio</a:t>
+            </a:r>
+          </a:p>
+          <a:p>
+            <a:endParaRPr lang="en-GB" sz="3000" dirty="0">
+              <a:solidFill>
+                <a:schemeClr val="bg1"/>
+              </a:solidFill>
+            </a:endParaRPr>
+          </a:p>
+          <a:p>
+            <a:pPr algn="ctr"/>
+            <a:r>
+              <a:rPr lang="en-GB" sz="3000" dirty="0">
+                <a:solidFill>
+                  <a:schemeClr val="bg1"/>
+                </a:solidFill>
+              </a:rPr>
+              <a:t>- A simple cross platform audio interface</a:t>
             </a:r>
           </a:p>
         </p:txBody>
@@ -4023,7 +4148,7 @@
     </p:spTree>
     <p:extLst>
       <p:ext uri="{BB962C8B-B14F-4D97-AF65-F5344CB8AC3E}">
-        <p14:creationId xmlns:p14="http://schemas.microsoft.com/office/powerpoint/2010/main" val="1198194543"/>
+        <p14:creationId xmlns:p14="http://schemas.microsoft.com/office/powerpoint/2010/main" val="243298760"/>
       </p:ext>
     </p:extLst>
   </p:cSld>
@@ -4166,8 +4291,8 @@
         </p:nvSpPr>
         <p:spPr>
           <a:xfrm>
-            <a:off x="4639733" y="0"/>
-            <a:ext cx="6390167" cy="1785104"/>
+            <a:off x="5390903" y="0"/>
+            <a:ext cx="6049926" cy="2708434"/>
           </a:xfrm>
           <a:prstGeom prst="rect">
             <a:avLst/>
@@ -4180,6 +4305,228 @@
           </a:bodyPr>
           <a:lstStyle/>
           <a:p>
+            <a:pPr algn="ctr"/>
+            <a:r>
+              <a:rPr lang="en-GB" sz="4000" dirty="0">
+                <a:solidFill>
+                  <a:schemeClr val="bg1"/>
+                </a:solidFill>
+              </a:rPr>
+              <a:t>Demonstration</a:t>
+            </a:r>
+          </a:p>
+          <a:p>
+            <a:pPr algn="ctr"/>
+            <a:endParaRPr lang="en-GB" sz="3000" dirty="0">
+              <a:solidFill>
+                <a:schemeClr val="bg1"/>
+              </a:solidFill>
+            </a:endParaRPr>
+          </a:p>
+          <a:p>
+            <a:pPr algn="ctr"/>
+            <a:r>
+              <a:rPr lang="en-GB" sz="3000" dirty="0">
+                <a:solidFill>
+                  <a:schemeClr val="bg1"/>
+                </a:solidFill>
+              </a:rPr>
+              <a:t>We will now show you a demonstration of the game</a:t>
+            </a:r>
+          </a:p>
+          <a:p>
+            <a:endParaRPr lang="en-GB" sz="4000" dirty="0">
+              <a:solidFill>
+                <a:schemeClr val="bg1"/>
+              </a:solidFill>
+            </a:endParaRPr>
+          </a:p>
+        </p:txBody>
+      </p:sp>
+      <p:pic>
+        <p:nvPicPr>
+          <p:cNvPr id="2" name="Picture 1"/>
+          <p:cNvPicPr>
+            <a:picLocks noChangeAspect="1"/>
+          </p:cNvPicPr>
+          <p:nvPr/>
+        </p:nvPicPr>
+        <p:blipFill>
+          <a:blip r:embed="rId3"/>
+          <a:stretch>
+            <a:fillRect/>
+          </a:stretch>
+        </p:blipFill>
+        <p:spPr>
+          <a:xfrm>
+            <a:off x="5248803" y="2708434"/>
+            <a:ext cx="6334125" cy="3562350"/>
+          </a:xfrm>
+          <a:prstGeom prst="rect">
+            <a:avLst/>
+          </a:prstGeom>
+        </p:spPr>
+      </p:pic>
+    </p:spTree>
+    <p:extLst>
+      <p:ext uri="{BB962C8B-B14F-4D97-AF65-F5344CB8AC3E}">
+        <p14:creationId xmlns:p14="http://schemas.microsoft.com/office/powerpoint/2010/main" val="1198194543"/>
+      </p:ext>
+    </p:extLst>
+  </p:cSld>
+  <p:clrMapOvr>
+    <a:masterClrMapping/>
+  </p:clrMapOvr>
+</p:sld>
+</file>
+
+<file path=ppt/slides/slide7.xml><?xml version="1.0" encoding="utf-8"?>
+<p:sld xmlns:a="http://schemas.openxmlformats.org/drawingml/2006/main" xmlns:r="http://schemas.openxmlformats.org/officeDocument/2006/relationships" xmlns:p="http://schemas.openxmlformats.org/presentationml/2006/main">
+  <p:cSld>
+    <p:spTree>
+      <p:nvGrpSpPr>
+        <p:cNvPr id="1" name=""/>
+        <p:cNvGrpSpPr/>
+        <p:nvPr/>
+      </p:nvGrpSpPr>
+      <p:grpSpPr>
+        <a:xfrm>
+          <a:off x="0" y="0"/>
+          <a:ext cx="0" cy="0"/>
+          <a:chOff x="0" y="0"/>
+          <a:chExt cx="0" cy="0"/>
+        </a:xfrm>
+      </p:grpSpPr>
+      <p:pic>
+        <p:nvPicPr>
+          <p:cNvPr id="6" name="Content Placeholder 3"/>
+          <p:cNvPicPr>
+            <a:picLocks noChangeAspect="1"/>
+          </p:cNvPicPr>
+          <p:nvPr/>
+        </p:nvPicPr>
+        <p:blipFill rotWithShape="1">
+          <a:blip r:embed="rId2"/>
+          <a:srcRect l="9091" t="4893" b="18498"/>
+          <a:stretch/>
+        </p:blipFill>
+        <p:spPr>
+          <a:xfrm>
+            <a:off x="20" y="10"/>
+            <a:ext cx="12191980" cy="6857990"/>
+          </a:xfrm>
+          <a:prstGeom prst="rect">
+            <a:avLst/>
+          </a:prstGeom>
+        </p:spPr>
+      </p:pic>
+      <p:sp>
+        <p:nvSpPr>
+          <p:cNvPr id="10" name="Rectangle 9"/>
+          <p:cNvSpPr>
+            <a:spLocks noGrp="1" noRot="1" noChangeAspect="1" noMove="1" noResize="1" noEditPoints="1" noAdjustHandles="1" noChangeArrowheads="1" noChangeShapeType="1" noTextEdit="1"/>
+          </p:cNvSpPr>
+          <p:nvPr>
+            <p:extLst>
+              <p:ext uri="{386F3935-93C4-4BCD-93E2-E3B085C9AB24}">
+                <p16:designElem xmlns:p16="http://schemas.microsoft.com/office/powerpoint/2015/main" val="1"/>
+              </p:ext>
+            </p:extLst>
+          </p:nvPr>
+        </p:nvSpPr>
+        <p:spPr bwMode="white">
+          <a:xfrm>
+            <a:off x="4639733" y="0"/>
+            <a:ext cx="7552267" cy="6858000"/>
+          </a:xfrm>
+          <a:prstGeom prst="rect">
+            <a:avLst/>
+          </a:prstGeom>
+          <a:solidFill>
+            <a:schemeClr val="tx1">
+              <a:alpha val="78000"/>
+            </a:schemeClr>
+          </a:solidFill>
+          <a:ln>
+            <a:noFill/>
+          </a:ln>
+        </p:spPr>
+        <p:style>
+          <a:lnRef idx="2">
+            <a:schemeClr val="accent1">
+              <a:shade val="50000"/>
+            </a:schemeClr>
+          </a:lnRef>
+          <a:fillRef idx="1">
+            <a:schemeClr val="accent1"/>
+          </a:fillRef>
+          <a:effectRef idx="0">
+            <a:schemeClr val="accent1"/>
+          </a:effectRef>
+          <a:fontRef idx="minor">
+            <a:schemeClr val="lt1"/>
+          </a:fontRef>
+        </p:style>
+        <p:txBody>
+          <a:bodyPr rtlCol="0" anchor="ctr"/>
+          <a:lstStyle/>
+          <a:p>
+            <a:pPr marL="0" marR="0" lvl="0" indent="0" algn="ctr" defTabSz="914400" rtl="0" eaLnBrk="1" fontAlgn="auto" latinLnBrk="0" hangingPunct="1">
+              <a:lnSpc>
+                <a:spcPct val="100000"/>
+              </a:lnSpc>
+              <a:spcBef>
+                <a:spcPts val="0"/>
+              </a:spcBef>
+              <a:spcAft>
+                <a:spcPts val="0"/>
+              </a:spcAft>
+              <a:buClrTx/>
+              <a:buSzTx/>
+              <a:buFontTx/>
+              <a:buNone/>
+              <a:tabLst/>
+              <a:defRPr/>
+            </a:pPr>
+            <a:endParaRPr kumimoji="0" lang="en-US" sz="1800" b="0" i="0" u="none" strike="noStrike" kern="1200" cap="none" spc="0" normalizeH="0" baseline="0" noProof="0">
+              <a:ln>
+                <a:noFill/>
+              </a:ln>
+              <a:solidFill>
+                <a:prstClr val="white"/>
+              </a:solidFill>
+              <a:effectLst/>
+              <a:uLnTx/>
+              <a:uFillTx/>
+              <a:latin typeface="Calibri" panose="020F0502020204030204"/>
+              <a:ea typeface="+mn-ea"/>
+              <a:cs typeface="+mn-cs"/>
+            </a:endParaRPr>
+          </a:p>
+        </p:txBody>
+      </p:sp>
+      <p:sp>
+        <p:nvSpPr>
+          <p:cNvPr id="5" name="TextBox 4"/>
+          <p:cNvSpPr txBox="1"/>
+          <p:nvPr/>
+        </p:nvSpPr>
+        <p:spPr>
+          <a:xfrm>
+            <a:off x="6246135" y="1328555"/>
+            <a:ext cx="4339462" cy="3477875"/>
+          </a:xfrm>
+          <a:prstGeom prst="rect">
+            <a:avLst/>
+          </a:prstGeom>
+          <a:noFill/>
+        </p:spPr>
+        <p:txBody>
+          <a:bodyPr wrap="square" rtlCol="0">
+            <a:spAutoFit/>
+          </a:bodyPr>
+          <a:lstStyle/>
+          <a:p>
             <a:r>
               <a:rPr lang="en-GB" sz="4000" dirty="0">
                 <a:solidFill>
@@ -4190,7 +4537,7 @@
             </a:r>
           </a:p>
           <a:p>
-            <a:endParaRPr lang="en-GB" sz="4000" dirty="0">
+            <a:endParaRPr lang="en-GB" sz="3000" dirty="0">
               <a:solidFill>
                 <a:schemeClr val="bg1"/>
               </a:solidFill>
@@ -4203,7 +4550,24 @@
                   <a:schemeClr val="bg1"/>
                 </a:solidFill>
               </a:rPr>
-              <a:t># TEXT HERE</a:t>
+              <a:t>We hope you enjoyed the presentation. </a:t>
+            </a:r>
+          </a:p>
+          <a:p>
+            <a:endParaRPr lang="en-GB" sz="3000" dirty="0">
+              <a:solidFill>
+                <a:schemeClr val="bg1"/>
+              </a:solidFill>
+            </a:endParaRPr>
+          </a:p>
+          <a:p>
+            <a:r>
+              <a:rPr lang="en-GB" sz="3000" dirty="0">
+                <a:solidFill>
+                  <a:schemeClr val="bg1"/>
+                </a:solidFill>
+              </a:rPr>
+              <a:t>We will be happy to answer any questions.</a:t>
             </a:r>
           </a:p>
         </p:txBody>

--- a/Group Presentation.pptx
+++ b/Group Presentation.pptx
@@ -249,7 +249,7 @@
           <a:p>
             <a:fld id="{14DFD3B6-E15A-4745-9CBD-1BBA8C8938B2}" type="datetimeFigureOut">
               <a:rPr lang="en-GB" smtClean="0"/>
-              <a:t>19/10/2016</a:t>
+              <a:t>20/10/2016</a:t>
             </a:fld>
             <a:endParaRPr lang="en-GB"/>
           </a:p>
@@ -419,7 +419,7 @@
           <a:p>
             <a:fld id="{14DFD3B6-E15A-4745-9CBD-1BBA8C8938B2}" type="datetimeFigureOut">
               <a:rPr lang="en-GB" smtClean="0"/>
-              <a:t>19/10/2016</a:t>
+              <a:t>20/10/2016</a:t>
             </a:fld>
             <a:endParaRPr lang="en-GB"/>
           </a:p>
@@ -599,7 +599,7 @@
           <a:p>
             <a:fld id="{14DFD3B6-E15A-4745-9CBD-1BBA8C8938B2}" type="datetimeFigureOut">
               <a:rPr lang="en-GB" smtClean="0"/>
-              <a:t>19/10/2016</a:t>
+              <a:t>20/10/2016</a:t>
             </a:fld>
             <a:endParaRPr lang="en-GB"/>
           </a:p>
@@ -769,7 +769,7 @@
           <a:p>
             <a:fld id="{14DFD3B6-E15A-4745-9CBD-1BBA8C8938B2}" type="datetimeFigureOut">
               <a:rPr lang="en-GB" smtClean="0"/>
-              <a:t>19/10/2016</a:t>
+              <a:t>20/10/2016</a:t>
             </a:fld>
             <a:endParaRPr lang="en-GB"/>
           </a:p>
@@ -1015,7 +1015,7 @@
           <a:p>
             <a:fld id="{14DFD3B6-E15A-4745-9CBD-1BBA8C8938B2}" type="datetimeFigureOut">
               <a:rPr lang="en-GB" smtClean="0"/>
-              <a:t>19/10/2016</a:t>
+              <a:t>20/10/2016</a:t>
             </a:fld>
             <a:endParaRPr lang="en-GB"/>
           </a:p>
@@ -1247,7 +1247,7 @@
           <a:p>
             <a:fld id="{14DFD3B6-E15A-4745-9CBD-1BBA8C8938B2}" type="datetimeFigureOut">
               <a:rPr lang="en-GB" smtClean="0"/>
-              <a:t>19/10/2016</a:t>
+              <a:t>20/10/2016</a:t>
             </a:fld>
             <a:endParaRPr lang="en-GB"/>
           </a:p>
@@ -1614,7 +1614,7 @@
           <a:p>
             <a:fld id="{14DFD3B6-E15A-4745-9CBD-1BBA8C8938B2}" type="datetimeFigureOut">
               <a:rPr lang="en-GB" smtClean="0"/>
-              <a:t>19/10/2016</a:t>
+              <a:t>20/10/2016</a:t>
             </a:fld>
             <a:endParaRPr lang="en-GB"/>
           </a:p>
@@ -1732,7 +1732,7 @@
           <a:p>
             <a:fld id="{14DFD3B6-E15A-4745-9CBD-1BBA8C8938B2}" type="datetimeFigureOut">
               <a:rPr lang="en-GB" smtClean="0"/>
-              <a:t>19/10/2016</a:t>
+              <a:t>20/10/2016</a:t>
             </a:fld>
             <a:endParaRPr lang="en-GB"/>
           </a:p>
@@ -1827,7 +1827,7 @@
           <a:p>
             <a:fld id="{14DFD3B6-E15A-4745-9CBD-1BBA8C8938B2}" type="datetimeFigureOut">
               <a:rPr lang="en-GB" smtClean="0"/>
-              <a:t>19/10/2016</a:t>
+              <a:t>20/10/2016</a:t>
             </a:fld>
             <a:endParaRPr lang="en-GB"/>
           </a:p>
@@ -2104,7 +2104,7 @@
           <a:p>
             <a:fld id="{14DFD3B6-E15A-4745-9CBD-1BBA8C8938B2}" type="datetimeFigureOut">
               <a:rPr lang="en-GB" smtClean="0"/>
-              <a:t>19/10/2016</a:t>
+              <a:t>20/10/2016</a:t>
             </a:fld>
             <a:endParaRPr lang="en-GB"/>
           </a:p>
@@ -2357,7 +2357,7 @@
           <a:p>
             <a:fld id="{14DFD3B6-E15A-4745-9CBD-1BBA8C8938B2}" type="datetimeFigureOut">
               <a:rPr lang="en-GB" smtClean="0"/>
-              <a:t>19/10/2016</a:t>
+              <a:t>20/10/2016</a:t>
             </a:fld>
             <a:endParaRPr lang="en-GB"/>
           </a:p>
@@ -2570,7 +2570,7 @@
           <a:p>
             <a:fld id="{14DFD3B6-E15A-4745-9CBD-1BBA8C8938B2}" type="datetimeFigureOut">
               <a:rPr lang="en-GB" smtClean="0"/>
-              <a:t>19/10/2016</a:t>
+              <a:t>20/10/2016</a:t>
             </a:fld>
             <a:endParaRPr lang="en-GB"/>
           </a:p>
@@ -3744,14 +3744,14 @@
       </p:sp>
       <p:sp>
         <p:nvSpPr>
-          <p:cNvPr id="5" name="TextBox 4"/>
+          <p:cNvPr id="7" name="TextBox 6"/>
           <p:cNvSpPr txBox="1"/>
           <p:nvPr/>
         </p:nvSpPr>
         <p:spPr>
           <a:xfrm>
-            <a:off x="5233754" y="458951"/>
-            <a:ext cx="6364224" cy="5940088"/>
+            <a:off x="5087980" y="-5427"/>
+            <a:ext cx="6364224" cy="6863417"/>
           </a:xfrm>
           <a:prstGeom prst="rect">
             <a:avLst/>
@@ -3775,6 +3775,7 @@
             </a:r>
           </a:p>
           <a:p>
+            <a:pPr algn="ctr"/>
             <a:endParaRPr lang="en-GB" sz="4000" dirty="0">
               <a:solidFill>
                 <a:schemeClr val="bg1"/>
@@ -3835,6 +3836,31 @@
                 </a:solidFill>
               </a:rPr>
               <a:t>Combat</a:t>
+            </a:r>
+          </a:p>
+          <a:p>
+            <a:pPr marL="457200" indent="-457200" algn="ctr">
+              <a:buFont typeface="Arial" panose="020B0604020202020204" pitchFamily="34" charset="0"/>
+              <a:buChar char="•"/>
+            </a:pPr>
+            <a:endParaRPr lang="en-GB" sz="3000" dirty="0">
+              <a:solidFill>
+                <a:schemeClr val="bg1"/>
+              </a:solidFill>
+            </a:endParaRPr>
+          </a:p>
+          <a:p>
+            <a:pPr marL="457200" indent="-457200" algn="ctr">
+              <a:buFont typeface="Arial" panose="020B0604020202020204" pitchFamily="34" charset="0"/>
+              <a:buChar char="•"/>
+            </a:pPr>
+            <a:r>
+              <a:rPr lang="en-GB" sz="3000" dirty="0">
+                <a:solidFill>
+                  <a:schemeClr val="bg1"/>
+                </a:solidFill>
+              </a:rPr>
+              <a:t>Switch</a:t>
             </a:r>
           </a:p>
           <a:p>
